--- a/Disused code/Misc/DLM_DFO/Lectures/2 Running DLMtool/L1 exercise recap.pptx
+++ b/Disused code/Misc/DLM_DFO/Lectures/2 Running DLMtool/L1 exercise recap.pptx
@@ -7448,7 +7448,7 @@
         </p:nvSpPr>
         <p:spPr>
           <a:xfrm>
-            <a:off x="683568" y="908720"/>
+            <a:off x="611560" y="260648"/>
             <a:ext cx="7886700" cy="1325563"/>
           </a:xfrm>
         </p:spPr>
@@ -7489,7 +7489,7 @@
         </p:nvSpPr>
         <p:spPr>
           <a:xfrm>
-            <a:off x="1043608" y="2492896"/>
+            <a:off x="822698" y="1844824"/>
             <a:ext cx="7675562" cy="3024336"/>
           </a:xfrm>
         </p:spPr>
@@ -7499,12 +7499,51 @@
           <a:p>
             <a:pPr>
               <a:spcAft>
+                <a:spcPts val="0"/>
+              </a:spcAft>
+            </a:pPr>
+            <a:r>
+              <a:rPr lang="en-CA" sz="2800" dirty="0"/>
+              <a:t>Recap of Lecture 1 exercises</a:t>
+            </a:r>
+          </a:p>
+          <a:p>
+            <a:pPr marL="452438" indent="-276225">
+              <a:spcAft>
+                <a:spcPts val="0"/>
+              </a:spcAft>
+              <a:buFontTx/>
+              <a:buChar char="-"/>
+            </a:pPr>
+            <a:r>
+              <a:rPr lang="en-CA" sz="2800" dirty="0"/>
+              <a:t>Installation</a:t>
+            </a:r>
+          </a:p>
+          <a:p>
+            <a:pPr marL="452438" indent="-276225">
+              <a:spcAft>
+                <a:spcPts val="0"/>
+              </a:spcAft>
+              <a:buFontTx/>
+              <a:buChar char="-"/>
+            </a:pPr>
+            <a:r>
+              <a:rPr lang="en-CA" sz="2800" dirty="0"/>
+              <a:t>DLMtool manuscript</a:t>
+            </a:r>
+          </a:p>
+          <a:p>
+            <a:pPr marL="452438" indent="-276225">
+              <a:spcAft>
                 <a:spcPts val="1800"/>
               </a:spcAft>
+              <a:buFontTx/>
+              <a:buChar char="-"/>
             </a:pPr>
             <a:r>
               <a:rPr lang="en-CA" sz="2800" dirty="0"/>
-              <a:t>Recap of Lecture 1 exercises</a:t>
+              <a:t>Online demo</a:t>
             </a:r>
           </a:p>
           <a:p>
